--- a/計劃書、簡報/專題進度報告02_26.pptx
+++ b/計劃書、簡報/專題進度報告02_26.pptx
@@ -26,11 +26,11 @@
       <p:boldItalic r:id="rId12"/>
     </p:embeddedFont>
     <p:embeddedFont>
-      <p:font typeface="標楷體" panose="03000509000000000000" pitchFamily="65" charset="-120"/>
+      <p:font typeface="DFKai-SB" panose="03000509000000000000" pitchFamily="65" charset="-120"/>
       <p:regular r:id="rId13"/>
     </p:embeddedFont>
     <p:embeddedFont>
-      <p:font typeface="標楷體" panose="03000509000000000000" pitchFamily="65" charset="-120"/>
+      <p:font typeface="DFKai-SB" panose="03000509000000000000" pitchFamily="65" charset="-120"/>
       <p:regular r:id="rId13"/>
     </p:embeddedFont>
   </p:embeddedFontLst>
@@ -18358,10 +18358,22 @@
               <a:buNone/>
             </a:pPr>
             <a:r>
+              <a:rPr lang="en-US" sz="4300" dirty="0" err="1"/>
+              <a:t>進度報告</a:t>
+            </a:r>
+            <a:r>
               <a:rPr lang="en-US" sz="4300"/>
-              <a:t>進度報告 (Zenbo Junior)</a:t>
+              <a:t> (</a:t>
             </a:r>
-            <a:endParaRPr sz="4300"/>
+            <a:r>
+              <a:rPr lang="zh-TW" altLang="en-US" sz="4300"/>
+              <a:t>整合</a:t>
+            </a:r>
+            <a:r>
+              <a:rPr lang="en-US" sz="4300" dirty="0"/>
+              <a:t>)</a:t>
+            </a:r>
+            <a:endParaRPr sz="4300" dirty="0"/>
           </a:p>
         </p:txBody>
       </p:sp>
@@ -18373,10 +18385,10 @@
         </p:nvGrpSpPr>
         <p:grpSpPr>
           <a:xfrm>
-            <a:off x="1200978" y="2050121"/>
-            <a:ext cx="9790043" cy="4263450"/>
-            <a:chOff x="603483" y="2442"/>
-            <a:chExt cx="9790043" cy="4263450"/>
+            <a:off x="1123618" y="2050121"/>
+            <a:ext cx="10059043" cy="4263450"/>
+            <a:chOff x="526123" y="2442"/>
+            <a:chExt cx="10059043" cy="4263450"/>
           </a:xfrm>
         </p:grpSpPr>
         <p:sp>
@@ -18387,7 +18399,7 @@
           </p:nvSpPr>
           <p:spPr>
             <a:xfrm rot="5400000">
-              <a:off x="1195179" y="1032879"/>
+              <a:off x="1117819" y="903498"/>
               <a:ext cx="1782276" cy="2965668"/>
             </a:xfrm>
             <a:prstGeom prst="corner">
@@ -18439,7 +18451,7 @@
                 </a:spcAft>
                 <a:buNone/>
               </a:pPr>
-              <a:endParaRPr/>
+              <a:endParaRPr dirty="0"/>
             </a:p>
           </p:txBody>
         </p:sp>
@@ -18489,8 +18501,8 @@
           </p:nvSpPr>
           <p:spPr>
             <a:xfrm>
-              <a:off x="766145" y="1918975"/>
-              <a:ext cx="2940478" cy="2346917"/>
+              <a:off x="778951" y="1784718"/>
+              <a:ext cx="3232828" cy="2346917"/>
             </a:xfrm>
             <a:prstGeom prst="rect">
               <a:avLst/>
@@ -18524,7 +18536,7 @@
                 <a:buNone/>
               </a:pPr>
               <a:r>
-                <a:rPr lang="en-US" sz="3600">
+                <a:rPr lang="en-US" altLang="zh-TW" sz="3600" dirty="0" err="1">
                   <a:solidFill>
                     <a:schemeClr val="lt1"/>
                   </a:solidFill>
@@ -18533,37 +18545,21 @@
                   <a:cs typeface="DFKai-SB"/>
                   <a:sym typeface="DFKai-SB"/>
                 </a:rPr>
-                <a:t>語音辨識</a:t>
+                <a:t>QRcode</a:t>
               </a:r>
-              <a:endParaRPr sz="3600">
-                <a:solidFill>
-                  <a:schemeClr val="lt1"/>
-                </a:solidFill>
-                <a:latin typeface="DFKai-SB"/>
-                <a:ea typeface="DFKai-SB"/>
-                <a:cs typeface="DFKai-SB"/>
-                <a:sym typeface="DFKai-SB"/>
-              </a:endParaRPr>
-            </a:p>
-            <a:p>
-              <a:pPr marL="57150" marR="0" lvl="1" indent="0" algn="l" rtl="0">
-                <a:lnSpc>
-                  <a:spcPct val="90000"/>
-                </a:lnSpc>
-                <a:spcBef>
-                  <a:spcPts val="1260"/>
-                </a:spcBef>
-                <a:spcAft>
-                  <a:spcPts val="0"/>
-                </a:spcAft>
-                <a:buClr>
-                  <a:schemeClr val="lt1"/>
-                </a:buClr>
-                <a:buSzPts val="500"/>
-                <a:buFont typeface="Century Gothic"/>
-                <a:buNone/>
-              </a:pPr>
-              <a:endParaRPr sz="500" b="0" i="0" u="none" strike="noStrike" cap="none">
+              <a:r>
+                <a:rPr lang="zh-TW" altLang="en-US" sz="3600" dirty="0">
+                  <a:solidFill>
+                    <a:schemeClr val="lt1"/>
+                  </a:solidFill>
+                  <a:latin typeface="DFKai-SB"/>
+                  <a:ea typeface="DFKai-SB"/>
+                  <a:cs typeface="DFKai-SB"/>
+                  <a:sym typeface="DFKai-SB"/>
+                </a:rPr>
+                <a:t>放圖片</a:t>
+              </a:r>
+              <a:endParaRPr sz="500" b="0" i="0" u="none" strike="noStrike" cap="none" dirty="0">
                 <a:solidFill>
                   <a:schemeClr val="lt1"/>
                 </a:solidFill>
@@ -18574,7 +18570,7 @@
               </a:endParaRPr>
             </a:p>
             <a:p>
-              <a:pPr marL="171450" marR="0" lvl="1" indent="-171450" algn="l" rtl="0">
+              <a:pPr marR="0" lvl="1" algn="l" rtl="0">
                 <a:lnSpc>
                   <a:spcPct val="90000"/>
                 </a:lnSpc>
@@ -18588,56 +18584,13 @@
                   <a:schemeClr val="lt1"/>
                 </a:buClr>
                 <a:buSzPts val="1600"/>
-                <a:buFont typeface="DFKai-SB"/>
-                <a:buChar char="•"/>
               </a:pPr>
-              <a:r>
-                <a:rPr lang="en-US" sz="1600" b="0" i="0" u="none" strike="noStrike" cap="none">
-                  <a:solidFill>
-                    <a:schemeClr val="lt1"/>
-                  </a:solidFill>
-                  <a:latin typeface="DFKai-SB"/>
-                  <a:ea typeface="DFKai-SB"/>
-                  <a:cs typeface="DFKai-SB"/>
-                  <a:sym typeface="DFKai-SB"/>
-                </a:rPr>
-                <a:t>對話功能完成(問候、回覆)</a:t>
-              </a:r>
-              <a:endParaRPr sz="1600" b="0" i="0" u="none" strike="noStrike" cap="none">
-                <a:solidFill>
-                  <a:schemeClr val="lt1"/>
-                </a:solidFill>
-                <a:latin typeface="DFKai-SB"/>
-                <a:ea typeface="DFKai-SB"/>
-                <a:cs typeface="DFKai-SB"/>
-                <a:sym typeface="DFKai-SB"/>
-              </a:endParaRPr>
-            </a:p>
-            <a:p>
-              <a:pPr marL="171450" marR="0" lvl="1" indent="-171450" algn="l" rtl="0">
-                <a:lnSpc>
-                  <a:spcPct val="90000"/>
-                </a:lnSpc>
-                <a:spcBef>
-                  <a:spcPts val="240"/>
-                </a:spcBef>
-                <a:spcAft>
-                  <a:spcPts val="0"/>
-                </a:spcAft>
-                <a:buClr>
-                  <a:schemeClr val="lt1"/>
-                </a:buClr>
-                <a:buSzPts val="1600"/>
-                <a:buFont typeface="Century Gothic"/>
-                <a:buNone/>
-              </a:pPr>
-              <a:endParaRPr sz="1600" b="0" i="0" u="none" strike="noStrike" cap="none">
+              <a:endParaRPr sz="1600" dirty="0">
                 <a:solidFill>
                   <a:srgbClr val="FFFFFF"/>
                 </a:solidFill>
                 <a:latin typeface="DFKai-SB"/>
                 <a:ea typeface="DFKai-SB"/>
-                <a:cs typeface="DFKai-SB"/>
                 <a:sym typeface="DFKai-SB"/>
               </a:endParaRPr>
             </a:p>
@@ -18659,13 +18612,34 @@
                 <a:buFont typeface="Century Gothic"/>
                 <a:buNone/>
               </a:pPr>
-              <a:endParaRPr sz="1800" b="0" i="0" u="none" strike="noStrike" cap="none">
+              <a:r>
+                <a:rPr lang="en-US" altLang="zh-TW" sz="1600" dirty="0">
+                  <a:solidFill>
+                    <a:srgbClr val="FFFFFF"/>
+                  </a:solidFill>
+                  <a:latin typeface="DFKai-SB"/>
+                  <a:ea typeface="DFKai-SB"/>
+                  <a:sym typeface="DFKai-SB"/>
+                </a:rPr>
+                <a:t>- </a:t>
+              </a:r>
+              <a:r>
+                <a:rPr lang="zh-TW" altLang="en-US" sz="1600" dirty="0">
+                  <a:solidFill>
+                    <a:srgbClr val="FFFFFF"/>
+                  </a:solidFill>
+                  <a:latin typeface="DFKai-SB"/>
+                  <a:ea typeface="DFKai-SB"/>
+                  <a:sym typeface="DFKai-SB"/>
+                </a:rPr>
+                <a:t>已可以開啟圖片了。</a:t>
+              </a:r>
+              <a:endParaRPr sz="1600" dirty="0">
                 <a:solidFill>
-                  <a:srgbClr val="000000"/>
+                  <a:srgbClr val="FFFFFF"/>
                 </a:solidFill>
                 <a:latin typeface="DFKai-SB"/>
                 <a:ea typeface="DFKai-SB"/>
-                <a:cs typeface="DFKai-SB"/>
                 <a:sym typeface="DFKai-SB"/>
               </a:endParaRPr>
             </a:p>
@@ -19147,8 +19121,8 @@
           </p:nvSpPr>
           <p:spPr>
             <a:xfrm>
-              <a:off x="7716105" y="296841"/>
-              <a:ext cx="2677421" cy="2346917"/>
+              <a:off x="7716105" y="207862"/>
+              <a:ext cx="2869061" cy="2346917"/>
             </a:xfrm>
             <a:prstGeom prst="rect">
               <a:avLst/>
@@ -19163,46 +19137,6 @@
               <a:noAutofit/>
             </a:bodyPr>
             <a:lstStyle/>
-            <a:p>
-              <a:pPr marL="0" marR="0" lvl="0" indent="0" algn="l" rtl="0">
-                <a:lnSpc>
-                  <a:spcPct val="90000"/>
-                </a:lnSpc>
-                <a:spcBef>
-                  <a:spcPts val="0"/>
-                </a:spcBef>
-                <a:spcAft>
-                  <a:spcPts val="0"/>
-                </a:spcAft>
-                <a:buClr>
-                  <a:schemeClr val="lt1"/>
-                </a:buClr>
-                <a:buSzPts val="3600"/>
-                <a:buFont typeface="DFKai-SB"/>
-                <a:buNone/>
-              </a:pPr>
-              <a:r>
-                <a:rPr lang="en-US" sz="3600" b="0" i="0">
-                  <a:solidFill>
-                    <a:schemeClr val="lt1"/>
-                  </a:solidFill>
-                  <a:latin typeface="DFKai-SB"/>
-                  <a:ea typeface="DFKai-SB"/>
-                  <a:cs typeface="DFKai-SB"/>
-                  <a:sym typeface="DFKai-SB"/>
-                </a:rPr>
-                <a:t>預計進度</a:t>
-              </a:r>
-              <a:endParaRPr sz="3600" b="0" i="0">
-                <a:solidFill>
-                  <a:schemeClr val="lt1"/>
-                </a:solidFill>
-                <a:latin typeface="DFKai-SB"/>
-                <a:ea typeface="DFKai-SB"/>
-                <a:cs typeface="DFKai-SB"/>
-                <a:sym typeface="DFKai-SB"/>
-              </a:endParaRPr>
-            </a:p>
             <a:p>
               <a:pPr marL="171450" marR="0" lvl="1" indent="-69850" algn="l" rtl="0">
                 <a:lnSpc>
@@ -19221,18 +19155,121 @@
                 <a:buFont typeface="Century Gothic"/>
                 <a:buNone/>
               </a:pPr>
-              <a:endParaRPr sz="1600" b="0" i="0" u="none" strike="noStrike" cap="none">
+              <a:r>
+                <a:rPr lang="en-US" altLang="zh-TW" sz="3600" dirty="0">
+                  <a:solidFill>
+                    <a:srgbClr val="EBEBEB"/>
+                  </a:solidFill>
+                  <a:latin typeface="DFKai-SB"/>
+                  <a:ea typeface="DFKai-SB"/>
+                  <a:sym typeface="DFKai-SB"/>
+                </a:rPr>
+                <a:t>Progress</a:t>
+              </a:r>
+            </a:p>
+            <a:p>
+              <a:pPr marL="387350" marR="0" lvl="1" indent="-285750" algn="l" rtl="0">
+                <a:lnSpc>
+                  <a:spcPct val="90000"/>
+                </a:lnSpc>
+                <a:spcBef>
+                  <a:spcPts val="1260"/>
+                </a:spcBef>
+                <a:spcAft>
+                  <a:spcPts val="0"/>
+                </a:spcAft>
+                <a:buClr>
+                  <a:schemeClr val="lt1"/>
+                </a:buClr>
+                <a:buSzPts val="1600"/>
+                <a:buFontTx/>
+                <a:buChar char="-"/>
+              </a:pPr>
+              <a:r>
+                <a:rPr lang="zh-TW" altLang="en-US" sz="1600" dirty="0">
+                  <a:solidFill>
+                    <a:srgbClr val="FFFFFF"/>
+                  </a:solidFill>
+                  <a:latin typeface="DFKai-SB"/>
+                  <a:ea typeface="DFKai-SB"/>
+                  <a:sym typeface="DFKai-SB"/>
+                </a:rPr>
+                <a:t>將拔卡功能加入狀態機</a:t>
+              </a:r>
+              <a:endParaRPr lang="en-US" altLang="zh-TW" sz="1600" dirty="0">
                 <a:solidFill>
                   <a:srgbClr val="FFFFFF"/>
                 </a:solidFill>
                 <a:latin typeface="DFKai-SB"/>
                 <a:ea typeface="DFKai-SB"/>
-                <a:cs typeface="DFKai-SB"/>
                 <a:sym typeface="DFKai-SB"/>
               </a:endParaRPr>
             </a:p>
             <a:p>
-              <a:pPr marL="171450" marR="0" lvl="1" indent="-171450" algn="l" rtl="0">
+              <a:pPr marL="387350" marR="0" lvl="1" indent="-285750" algn="l" rtl="0">
+                <a:lnSpc>
+                  <a:spcPct val="90000"/>
+                </a:lnSpc>
+                <a:spcBef>
+                  <a:spcPts val="1260"/>
+                </a:spcBef>
+                <a:spcAft>
+                  <a:spcPts val="0"/>
+                </a:spcAft>
+                <a:buClr>
+                  <a:schemeClr val="lt1"/>
+                </a:buClr>
+                <a:buSzPts val="1600"/>
+                <a:buFontTx/>
+                <a:buChar char="-"/>
+              </a:pPr>
+              <a:r>
+                <a:rPr lang="zh-TW" altLang="en-US" sz="1600" dirty="0">
+                  <a:solidFill>
+                    <a:srgbClr val="FFFFFF"/>
+                  </a:solidFill>
+                  <a:latin typeface="DFKai-SB"/>
+                  <a:ea typeface="DFKai-SB"/>
+                  <a:sym typeface="DFKai-SB"/>
+                </a:rPr>
+                <a:t>模型建立</a:t>
+              </a:r>
+              <a:r>
+                <a:rPr lang="en-US" altLang="zh-TW" sz="1600" dirty="0">
+                  <a:solidFill>
+                    <a:srgbClr val="FFFFFF"/>
+                  </a:solidFill>
+                  <a:latin typeface="DFKai-SB"/>
+                  <a:ea typeface="DFKai-SB"/>
+                  <a:sym typeface="DFKai-SB"/>
+                </a:rPr>
+                <a:t>(SVM</a:t>
+              </a:r>
+              <a:r>
+                <a:rPr lang="zh-TW" altLang="en-US" sz="1600" dirty="0">
+                  <a:solidFill>
+                    <a:srgbClr val="FFFFFF"/>
+                  </a:solidFill>
+                  <a:latin typeface="DFKai-SB"/>
+                  <a:ea typeface="DFKai-SB"/>
+                  <a:sym typeface="DFKai-SB"/>
+                </a:rPr>
+                <a:t>、</a:t>
+              </a:r>
+              <a:r>
+                <a:rPr lang="en-US" altLang="zh-TW" sz="1600" dirty="0">
+                  <a:solidFill>
+                    <a:srgbClr val="FFFFFF"/>
+                  </a:solidFill>
+                  <a:latin typeface="DFKai-SB"/>
+                  <a:ea typeface="DFKai-SB"/>
+                  <a:sym typeface="DFKai-SB"/>
+                </a:rPr>
+                <a:t>Tree)</a:t>
+              </a:r>
+            </a:p>
+            <a:p>
+              <a:pPr marR="0" lvl="1" algn="l" rtl="0">
                 <a:lnSpc>
                   <a:spcPct val="90000"/>
                 </a:lnSpc>
@@ -19246,33 +19283,18 @@
                   <a:schemeClr val="lt1"/>
                 </a:buClr>
                 <a:buSzPts val="1600"/>
-                <a:buFont typeface="DFKai-SB"/>
-                <a:buChar char="•"/>
               </a:pPr>
-              <a:r>
-                <a:rPr lang="en-US" sz="1600" b="0" i="0" u="none" strike="noStrike" cap="none">
-                  <a:solidFill>
-                    <a:schemeClr val="lt1"/>
-                  </a:solidFill>
-                  <a:latin typeface="DFKai-SB"/>
-                  <a:ea typeface="DFKai-SB"/>
-                  <a:cs typeface="DFKai-SB"/>
-                  <a:sym typeface="DFKai-SB"/>
-                </a:rPr>
-                <a:t>語音建議功能 。</a:t>
-              </a:r>
-              <a:endParaRPr sz="1600" b="0" i="0" u="none" strike="noStrike" cap="none">
+              <a:endParaRPr lang="en-US" sz="1600" dirty="0">
                 <a:solidFill>
-                  <a:schemeClr val="lt1"/>
+                  <a:srgbClr val="FFFFFF"/>
                 </a:solidFill>
                 <a:latin typeface="DFKai-SB"/>
                 <a:ea typeface="DFKai-SB"/>
-                <a:cs typeface="DFKai-SB"/>
                 <a:sym typeface="DFKai-SB"/>
               </a:endParaRPr>
             </a:p>
             <a:p>
-              <a:pPr marL="171450" marR="0" lvl="1" indent="-69850" algn="l" rtl="0">
+              <a:pPr marR="0" lvl="1" algn="l" rtl="0">
                 <a:lnSpc>
                   <a:spcPct val="90000"/>
                 </a:lnSpc>
@@ -19286,56 +19308,13 @@
                   <a:schemeClr val="lt1"/>
                 </a:buClr>
                 <a:buSzPts val="1600"/>
-                <a:buFont typeface="Century Gothic"/>
-                <a:buNone/>
               </a:pPr>
-              <a:endParaRPr sz="1600" b="0" i="0" u="none" strike="noStrike" cap="none">
+              <a:endParaRPr sz="1600" dirty="0">
                 <a:solidFill>
                   <a:srgbClr val="FFFFFF"/>
                 </a:solidFill>
                 <a:latin typeface="DFKai-SB"/>
                 <a:ea typeface="DFKai-SB"/>
-                <a:cs typeface="DFKai-SB"/>
-                <a:sym typeface="DFKai-SB"/>
-              </a:endParaRPr>
-            </a:p>
-            <a:p>
-              <a:pPr marL="171450" marR="0" lvl="1" indent="-171450" algn="l" rtl="0">
-                <a:lnSpc>
-                  <a:spcPct val="90000"/>
-                </a:lnSpc>
-                <a:spcBef>
-                  <a:spcPts val="240"/>
-                </a:spcBef>
-                <a:spcAft>
-                  <a:spcPts val="0"/>
-                </a:spcAft>
-                <a:buClr>
-                  <a:schemeClr val="lt1"/>
-                </a:buClr>
-                <a:buSzPts val="1600"/>
-                <a:buFont typeface="DFKai-SB"/>
-                <a:buChar char="•"/>
-              </a:pPr>
-              <a:r>
-                <a:rPr lang="en-US" sz="1600" b="0" i="0" u="none" strike="noStrike" cap="none">
-                  <a:solidFill>
-                    <a:schemeClr val="lt1"/>
-                  </a:solidFill>
-                  <a:latin typeface="DFKai-SB"/>
-                  <a:ea typeface="DFKai-SB"/>
-                  <a:cs typeface="DFKai-SB"/>
-                  <a:sym typeface="DFKai-SB"/>
-                </a:rPr>
-                <a:t>系統能整合到一段落。</a:t>
-              </a:r>
-              <a:endParaRPr sz="1600" b="0" i="0" u="none" strike="noStrike" cap="none">
-                <a:solidFill>
-                  <a:schemeClr val="lt1"/>
-                </a:solidFill>
-                <a:latin typeface="DFKai-SB"/>
-                <a:ea typeface="DFKai-SB"/>
-                <a:cs typeface="DFKai-SB"/>
                 <a:sym typeface="DFKai-SB"/>
               </a:endParaRPr>
             </a:p>
@@ -19351,7 +19330,7 @@
         <p:spPr>
           <a:xfrm>
             <a:off x="4902544" y="3180584"/>
-            <a:ext cx="2919283" cy="1929759"/>
+            <a:ext cx="2919283" cy="1708120"/>
           </a:xfrm>
           <a:prstGeom prst="rect">
             <a:avLst/>
@@ -19380,7 +19359,7 @@
               <a:buNone/>
             </a:pPr>
             <a:r>
-              <a:rPr lang="en-US" sz="3600">
+              <a:rPr lang="zh-TW" altLang="en-US" sz="3600" dirty="0">
                 <a:solidFill>
                   <a:srgbClr val="EBEBEB"/>
                 </a:solidFill>
@@ -19389,32 +19368,9 @@
                 <a:cs typeface="DFKai-SB"/>
                 <a:sym typeface="DFKai-SB"/>
               </a:rPr>
-              <a:t>尚未完成</a:t>
+              <a:t>狀態機結合</a:t>
             </a:r>
-            <a:endParaRPr sz="3600">
-              <a:solidFill>
-                <a:srgbClr val="EBEBEB"/>
-              </a:solidFill>
-              <a:latin typeface="DFKai-SB"/>
-              <a:ea typeface="DFKai-SB"/>
-              <a:cs typeface="DFKai-SB"/>
-              <a:sym typeface="DFKai-SB"/>
-            </a:endParaRPr>
-          </a:p>
-          <a:p>
-            <a:pPr marL="0" marR="0" lvl="0" indent="0" algn="l" rtl="0">
-              <a:lnSpc>
-                <a:spcPct val="90000"/>
-              </a:lnSpc>
-              <a:spcBef>
-                <a:spcPts val="1260"/>
-              </a:spcBef>
-              <a:spcAft>
-                <a:spcPts val="0"/>
-              </a:spcAft>
-              <a:buNone/>
-            </a:pPr>
-            <a:endParaRPr sz="1600">
+            <a:endParaRPr lang="zh-TW" altLang="en-US" sz="1600" dirty="0">
               <a:solidFill>
                 <a:srgbClr val="FFFFFF"/>
               </a:solidFill>
@@ -19425,7 +19381,7 @@
             </a:endParaRPr>
           </a:p>
           <a:p>
-            <a:pPr marL="285750" marR="0" lvl="0" indent="-285750" algn="l" rtl="0">
+            <a:pPr marR="0" lvl="0" algn="l" rtl="0">
               <a:lnSpc>
                 <a:spcPct val="90000"/>
               </a:lnSpc>
@@ -19439,11 +19395,9 @@
                 <a:srgbClr val="FFFFFF"/>
               </a:buClr>
               <a:buSzPts val="1600"/>
-              <a:buFont typeface="Arial"/>
-              <a:buChar char="•"/>
             </a:pPr>
             <a:r>
-              <a:rPr lang="en-US" sz="1600">
+              <a:rPr lang="en-US" sz="1600" dirty="0">
                 <a:solidFill>
                   <a:srgbClr val="FFFFFF"/>
                 </a:solidFill>
@@ -19452,20 +19406,71 @@
                 <a:cs typeface="DFKai-SB"/>
                 <a:sym typeface="DFKai-SB"/>
               </a:rPr>
-              <a:t>建議使用者功能尚未完成。</a:t>
+              <a:t>  - </a:t>
             </a:r>
-            <a:endParaRPr sz="1600">
-              <a:solidFill>
-                <a:srgbClr val="FFFFFF"/>
-              </a:solidFill>
-              <a:latin typeface="DFKai-SB"/>
-              <a:ea typeface="DFKai-SB"/>
-              <a:cs typeface="DFKai-SB"/>
-              <a:sym typeface="DFKai-SB"/>
-            </a:endParaRPr>
+            <a:r>
+              <a:rPr lang="en-US" sz="1600" dirty="0" err="1">
+                <a:solidFill>
+                  <a:srgbClr val="FFFFFF"/>
+                </a:solidFill>
+                <a:latin typeface="DFKai-SB"/>
+                <a:ea typeface="DFKai-SB"/>
+                <a:cs typeface="DFKai-SB"/>
+                <a:sym typeface="DFKai-SB"/>
+              </a:rPr>
+              <a:t>Zenbo</a:t>
+            </a:r>
+            <a:r>
+              <a:rPr lang="zh-TW" altLang="en-US" sz="1600" dirty="0">
+                <a:solidFill>
+                  <a:srgbClr val="FFFFFF"/>
+                </a:solidFill>
+                <a:latin typeface="DFKai-SB"/>
+                <a:ea typeface="DFKai-SB"/>
+                <a:cs typeface="DFKai-SB"/>
+                <a:sym typeface="DFKai-SB"/>
+              </a:rPr>
+              <a:t>狀態機測試</a:t>
+            </a:r>
+            <a:r>
+              <a:rPr lang="en-US" altLang="zh-TW" sz="1600" dirty="0">
+                <a:solidFill>
+                  <a:srgbClr val="FFFFFF"/>
+                </a:solidFill>
+                <a:latin typeface="DFKai-SB"/>
+                <a:ea typeface="DFKai-SB"/>
+                <a:cs typeface="DFKai-SB"/>
+                <a:sym typeface="DFKai-SB"/>
+              </a:rPr>
+              <a:t>(</a:t>
+            </a:r>
+            <a:r>
+              <a:rPr lang="zh-TW" altLang="en-US" sz="1600" dirty="0">
+                <a:solidFill>
+                  <a:srgbClr val="FFFFFF"/>
+                </a:solidFill>
+                <a:latin typeface="DFKai-SB"/>
+                <a:ea typeface="DFKai-SB"/>
+                <a:cs typeface="DFKai-SB"/>
+                <a:sym typeface="DFKai-SB"/>
+              </a:rPr>
+              <a:t>部分狀態完成、</a:t>
+            </a:r>
+            <a:r>
+              <a:rPr lang="en-US" altLang="zh-TW" sz="1600" dirty="0">
+                <a:solidFill>
+                  <a:srgbClr val="FFFFFF"/>
+                </a:solidFill>
+                <a:latin typeface="DFKai-SB"/>
+                <a:ea typeface="DFKai-SB"/>
+                <a:cs typeface="DFKai-SB"/>
+                <a:sym typeface="DFKai-SB"/>
+              </a:rPr>
+              <a:t>)</a:t>
+            </a:r>
           </a:p>
           <a:p>
-            <a:pPr marL="0" marR="0" lvl="0" indent="0" algn="l" rtl="0">
+            <a:pPr marL="285750" marR="0" lvl="0" indent="-285750" algn="l" rtl="0">
               <a:lnSpc>
                 <a:spcPct val="90000"/>
               </a:lnSpc>
@@ -19476,13 +19481,13 @@
                 <a:spcPts val="0"/>
               </a:spcAft>
               <a:buClr>
-                <a:schemeClr val="lt1"/>
+                <a:srgbClr val="FFFFFF"/>
               </a:buClr>
               <a:buSzPts val="1600"/>
-              <a:buFont typeface="Century Gothic"/>
-              <a:buNone/>
+              <a:buFont typeface="Arial"/>
+              <a:buChar char="•"/>
             </a:pPr>
-            <a:endParaRPr sz="1600">
+            <a:endParaRPr sz="1600" dirty="0">
               <a:solidFill>
                 <a:srgbClr val="FFFFFF"/>
               </a:solidFill>
@@ -19506,7 +19511,7 @@
               <a:buNone/>
             </a:pPr>
             <a:r>
-              <a:rPr lang="en-US" sz="1600" b="0" i="0" u="none" strike="noStrike" cap="none">
+              <a:rPr lang="en-US" sz="1600" b="0" i="0" u="none" strike="noStrike" cap="none" dirty="0">
                 <a:solidFill>
                   <a:srgbClr val="FFFFFF"/>
                 </a:solidFill>
@@ -19517,7 +19522,7 @@
               </a:rPr>
               <a:t> </a:t>
             </a:r>
-            <a:endParaRPr/>
+            <a:endParaRPr dirty="0"/>
           </a:p>
         </p:txBody>
       </p:sp>

--- a/計劃書、簡報/專題進度報告02_26.pptx
+++ b/計劃書、簡報/專題進度報告02_26.pptx
@@ -5,7 +5,7 @@
     <p:sldMasterId id="2147483648" r:id="rId1"/>
   </p:sldMasterIdLst>
   <p:notesMasterIdLst>
-    <p:notesMasterId r:id="rId8"/>
+    <p:notesMasterId r:id="rId9"/>
   </p:notesMasterIdLst>
   <p:sldIdLst>
     <p:sldId id="256" r:id="rId2"/>
@@ -14,24 +14,25 @@
     <p:sldId id="259" r:id="rId5"/>
     <p:sldId id="260" r:id="rId6"/>
     <p:sldId id="261" r:id="rId7"/>
+    <p:sldId id="262" r:id="rId8"/>
   </p:sldIdLst>
   <p:sldSz cx="12192000" cy="6858000"/>
   <p:notesSz cx="6858000" cy="9144000"/>
   <p:embeddedFontLst>
     <p:embeddedFont>
       <p:font typeface="Century Gothic" panose="020B0502020202020204" pitchFamily="34" charset="0"/>
-      <p:regular r:id="rId9"/>
-      <p:bold r:id="rId10"/>
-      <p:italic r:id="rId11"/>
-      <p:boldItalic r:id="rId12"/>
+      <p:regular r:id="rId10"/>
+      <p:bold r:id="rId11"/>
+      <p:italic r:id="rId12"/>
+      <p:boldItalic r:id="rId13"/>
     </p:embeddedFont>
     <p:embeddedFont>
       <p:font typeface="標楷體" panose="03000509000000000000" pitchFamily="65" charset="-120"/>
-      <p:regular r:id="rId13"/>
+      <p:regular r:id="rId14"/>
     </p:embeddedFont>
     <p:embeddedFont>
       <p:font typeface="標楷體" panose="03000509000000000000" pitchFamily="65" charset="-120"/>
-      <p:regular r:id="rId13"/>
+      <p:regular r:id="rId14"/>
     </p:embeddedFont>
   </p:embeddedFontLst>
   <p:defaultTextStyle>
@@ -268,7 +269,7 @@
       <p15:sldGuideLst xmlns:p15="http://schemas.microsoft.com/office/powerpoint/2012/main"/>
     </p:ext>
     <p:ext uri="http://customooxmlschemas.google.com/">
-      <go:slidesCustomData xmlns="" xmlns:mc="http://schemas.openxmlformats.org/markup-compatibility/2006" xmlns:mv="urn:schemas-microsoft-com:mac:vml" xmlns:c="http://schemas.openxmlformats.org/drawingml/2006/chart" xmlns:dgm="http://schemas.openxmlformats.org/drawingml/2006/diagram" xmlns:o="urn:schemas-microsoft-com:office:office" xmlns:v="urn:schemas-microsoft-com:vml" xmlns:pvml="urn:schemas-microsoft-com:office:powerpoint" xmlns:com="http://schemas.openxmlformats.org/drawingml/2006/compatibility" xmlns:p14="http://schemas.microsoft.com/office/powerpoint/2010/main" xmlns:p15="http://schemas.microsoft.com/office/powerpoint/2012/main" xmlns:ahyp="http://schemas.microsoft.com/office/drawing/2018/hyperlinkcolor" xmlns:go="http://customooxmlschemas.google.com/" r:id="rId16" roundtripDataSignature="AMtx7mitnr/XQpiPA4WBOdfoM1KjeVYmYw=="/>
+      <go:slidesCustomData xmlns:go="http://customooxmlschemas.google.com/" xmlns:ahyp="http://schemas.microsoft.com/office/drawing/2018/hyperlinkcolor" xmlns:p15="http://schemas.microsoft.com/office/powerpoint/2012/main" xmlns:p14="http://schemas.microsoft.com/office/powerpoint/2010/main" xmlns:com="http://schemas.openxmlformats.org/drawingml/2006/compatibility" xmlns:pvml="urn:schemas-microsoft-com:office:powerpoint" xmlns:v="urn:schemas-microsoft-com:vml" xmlns:o="urn:schemas-microsoft-com:office:office" xmlns:dgm="http://schemas.openxmlformats.org/drawingml/2006/diagram" xmlns:c="http://schemas.openxmlformats.org/drawingml/2006/chart" xmlns:mv="urn:schemas-microsoft-com:mac:vml" xmlns:mc="http://schemas.openxmlformats.org/markup-compatibility/2006" xmlns="" r:id="rId16" roundtripDataSignature="AMtx7mitnr/XQpiPA4WBOdfoM1KjeVYmYw=="/>
     </p:ext>
   </p:extLst>
 </p:presentation>
@@ -290,7 +291,7 @@
         <p15:threadingInfo xmlns:p15="http://schemas.microsoft.com/office/powerpoint/2012/main" timeZoneBias="0"/>
       </p:ext>
       <p:ext uri="http://customooxmlschemas.google.com/">
-        <go:slidesCustomData xmlns="" xmlns:mc="http://schemas.openxmlformats.org/markup-compatibility/2006" xmlns:mv="urn:schemas-microsoft-com:mac:vml" xmlns:c="http://schemas.openxmlformats.org/drawingml/2006/chart" xmlns:dgm="http://schemas.openxmlformats.org/drawingml/2006/diagram" xmlns:o="urn:schemas-microsoft-com:office:office" xmlns:v="urn:schemas-microsoft-com:vml" xmlns:pvml="urn:schemas-microsoft-com:office:powerpoint" xmlns:com="http://schemas.openxmlformats.org/drawingml/2006/compatibility" xmlns:p14="http://schemas.microsoft.com/office/powerpoint/2010/main" xmlns:p15="http://schemas.microsoft.com/office/powerpoint/2012/main" xmlns:ahyp="http://schemas.microsoft.com/office/drawing/2018/hyperlinkcolor" xmlns:go="http://customooxmlschemas.google.com/" commentPostId="AAAAKXgQ9RQ"/>
+        <go:slidesCustomData xmlns:go="http://customooxmlschemas.google.com/" xmlns:ahyp="http://schemas.microsoft.com/office/drawing/2018/hyperlinkcolor" xmlns:p15="http://schemas.microsoft.com/office/powerpoint/2012/main" xmlns:p14="http://schemas.microsoft.com/office/powerpoint/2010/main" xmlns:com="http://schemas.openxmlformats.org/drawingml/2006/compatibility" xmlns:pvml="urn:schemas-microsoft-com:office:powerpoint" xmlns:v="urn:schemas-microsoft-com:vml" xmlns:o="urn:schemas-microsoft-com:office:office" xmlns:dgm="http://schemas.openxmlformats.org/drawingml/2006/diagram" xmlns:c="http://schemas.openxmlformats.org/drawingml/2006/chart" xmlns:mv="urn:schemas-microsoft-com:mac:vml" xmlns:mc="http://schemas.openxmlformats.org/markup-compatibility/2006" xmlns="" commentPostId="AAAAKXgQ9RQ"/>
       </p:ext>
     </p:extLst>
   </p:cm>
@@ -20705,17 +20706,179 @@
               <a:buNone/>
             </a:pPr>
             <a:r>
-              <a:rPr lang="en-US"/>
+              <a:rPr lang="zh-TW" altLang="en-US" dirty="0"/>
+              <a:t>進度報告</a:t>
+            </a:r>
+            <a:r>
+              <a:rPr lang="en-US" altLang="zh-TW" dirty="0"/>
+              <a:t>(</a:t>
+            </a:r>
+            <a:r>
+              <a:rPr lang="en-US" dirty="0"/>
               <a:t>Django</a:t>
             </a:r>
-            <a:endParaRPr/>
+            <a:r>
+              <a:rPr lang="en-US" altLang="zh-TW" dirty="0"/>
+              <a:t>)</a:t>
+            </a:r>
+            <a:endParaRPr dirty="0"/>
+          </a:p>
+        </p:txBody>
+      </p:sp>
+      <p:pic>
+        <p:nvPicPr>
+          <p:cNvPr id="3" name="圖片 2">
+            <a:extLst>
+              <a:ext uri="{FF2B5EF4-FFF2-40B4-BE49-F238E27FC236}">
+                <a16:creationId xmlns:a16="http://schemas.microsoft.com/office/drawing/2014/main" id="{F7A7F291-05B1-44D5-A86C-7EBD7CF97E9D}"/>
+              </a:ext>
+            </a:extLst>
+          </p:cNvPr>
+          <p:cNvPicPr>
+            <a:picLocks noChangeAspect="1"/>
+          </p:cNvPicPr>
+          <p:nvPr/>
+        </p:nvPicPr>
+        <p:blipFill>
+          <a:blip r:embed="rId3"/>
+          <a:stretch>
+            <a:fillRect/>
+          </a:stretch>
+        </p:blipFill>
+        <p:spPr>
+          <a:xfrm>
+            <a:off x="743712" y="1617365"/>
+            <a:ext cx="3277280" cy="4682869"/>
+          </a:xfrm>
+          <a:prstGeom prst="rect">
+            <a:avLst/>
+          </a:prstGeom>
+        </p:spPr>
+      </p:pic>
+      <p:pic>
+        <p:nvPicPr>
+          <p:cNvPr id="5" name="圖片 4">
+            <a:extLst>
+              <a:ext uri="{FF2B5EF4-FFF2-40B4-BE49-F238E27FC236}">
+                <a16:creationId xmlns:a16="http://schemas.microsoft.com/office/drawing/2014/main" id="{6EF29365-9623-4DA3-9445-29E5353472EA}"/>
+              </a:ext>
+            </a:extLst>
+          </p:cNvPr>
+          <p:cNvPicPr>
+            <a:picLocks noChangeAspect="1"/>
+          </p:cNvPicPr>
+          <p:nvPr/>
+        </p:nvPicPr>
+        <p:blipFill>
+          <a:blip r:embed="rId4"/>
+          <a:stretch>
+            <a:fillRect/>
+          </a:stretch>
+        </p:blipFill>
+        <p:spPr>
+          <a:xfrm>
+            <a:off x="4118593" y="1642089"/>
+            <a:ext cx="7758462" cy="2698263"/>
+          </a:xfrm>
+          <a:prstGeom prst="rect">
+            <a:avLst/>
+          </a:prstGeom>
+        </p:spPr>
+      </p:pic>
+      <p:pic>
+        <p:nvPicPr>
+          <p:cNvPr id="7" name="圖片 6">
+            <a:extLst>
+              <a:ext uri="{FF2B5EF4-FFF2-40B4-BE49-F238E27FC236}">
+                <a16:creationId xmlns:a16="http://schemas.microsoft.com/office/drawing/2014/main" id="{A4C383C7-9C0D-42D1-88F1-8DD22478AC58}"/>
+              </a:ext>
+            </a:extLst>
+          </p:cNvPr>
+          <p:cNvPicPr>
+            <a:picLocks noChangeAspect="1"/>
+          </p:cNvPicPr>
+          <p:nvPr/>
+        </p:nvPicPr>
+        <p:blipFill>
+          <a:blip r:embed="rId5"/>
+          <a:stretch>
+            <a:fillRect/>
+          </a:stretch>
+        </p:blipFill>
+        <p:spPr>
+          <a:xfrm>
+            <a:off x="4128951" y="4450726"/>
+            <a:ext cx="7768820" cy="1530370"/>
+          </a:xfrm>
+          <a:prstGeom prst="rect">
+            <a:avLst/>
+          </a:prstGeom>
+        </p:spPr>
+      </p:pic>
+    </p:spTree>
+  </p:cSld>
+  <p:clrMapOvr>
+    <a:masterClrMapping/>
+  </p:clrMapOvr>
+</p:sld>
+</file>
+
+<file path=ppt/slides/slide7.xml><?xml version="1.0" encoding="utf-8"?>
+<p:sld xmlns:a="http://schemas.openxmlformats.org/drawingml/2006/main" xmlns:r="http://schemas.openxmlformats.org/officeDocument/2006/relationships" xmlns:p="http://schemas.openxmlformats.org/presentationml/2006/main">
+  <p:cSld>
+    <p:spTree>
+      <p:nvGrpSpPr>
+        <p:cNvPr id="1" name=""/>
+        <p:cNvGrpSpPr/>
+        <p:nvPr/>
+      </p:nvGrpSpPr>
+      <p:grpSpPr>
+        <a:xfrm>
+          <a:off x="0" y="0"/>
+          <a:ext cx="0" cy="0"/>
+          <a:chOff x="0" y="0"/>
+          <a:chExt cx="0" cy="0"/>
+        </a:xfrm>
+      </p:grpSpPr>
+      <p:sp>
+        <p:nvSpPr>
+          <p:cNvPr id="2" name="標題 1">
+            <a:extLst>
+              <a:ext uri="{FF2B5EF4-FFF2-40B4-BE49-F238E27FC236}">
+                <a16:creationId xmlns:a16="http://schemas.microsoft.com/office/drawing/2014/main" id="{0F6A6008-3A37-4F58-B0DE-2804AADD3EE9}"/>
+              </a:ext>
+            </a:extLst>
+          </p:cNvPr>
+          <p:cNvSpPr>
+            <a:spLocks noGrp="1"/>
+          </p:cNvSpPr>
+          <p:nvPr>
+            <p:ph type="title"/>
+          </p:nvPr>
+        </p:nvSpPr>
+        <p:spPr/>
+        <p:txBody>
+          <a:bodyPr/>
+          <a:lstStyle/>
+          <a:p>
+            <a:r>
+              <a:rPr lang="en-US" altLang="zh-TW" dirty="0"/>
+              <a:t>Django</a:t>
+            </a:r>
+            <a:endParaRPr lang="zh-TW" altLang="en-US" dirty="0"/>
           </a:p>
         </p:txBody>
       </p:sp>
       <p:sp>
         <p:nvSpPr>
-          <p:cNvPr id="215" name="Google Shape;215;g9fa7b3634b_0_0"/>
-          <p:cNvSpPr txBox="1">
+          <p:cNvPr id="3" name="文字版面配置區 2">
+            <a:extLst>
+              <a:ext uri="{FF2B5EF4-FFF2-40B4-BE49-F238E27FC236}">
+                <a16:creationId xmlns:a16="http://schemas.microsoft.com/office/drawing/2014/main" id="{3797D509-1744-4219-B10B-AA61317C0C9A}"/>
+              </a:ext>
+            </a:extLst>
+          </p:cNvPr>
+          <p:cNvSpPr>
             <a:spLocks noGrp="1"/>
           </p:cNvSpPr>
           <p:nvPr>
@@ -20724,61 +20887,94 @@
         </p:nvSpPr>
         <p:spPr>
           <a:xfrm>
-            <a:off x="1103312" y="2052918"/>
-            <a:ext cx="8946600" cy="4195500"/>
+            <a:off x="1104293" y="1687158"/>
+            <a:ext cx="8946541" cy="4195481"/>
           </a:xfrm>
-          <a:prstGeom prst="rect">
-            <a:avLst/>
-          </a:prstGeom>
         </p:spPr>
         <p:txBody>
-          <a:bodyPr spcFirstLastPara="1" wrap="square" lIns="91425" tIns="45700" rIns="91425" bIns="45700" anchor="t" anchorCtr="0">
-            <a:noAutofit/>
-          </a:bodyPr>
+          <a:bodyPr/>
           <a:lstStyle/>
           <a:p>
-            <a:pPr marL="0" lvl="0" indent="0" algn="l" rtl="0">
-              <a:spcBef>
-                <a:spcPts val="1000"/>
-              </a:spcBef>
-              <a:spcAft>
-                <a:spcPts val="0"/>
-              </a:spcAft>
+            <a:r>
+              <a:rPr lang="zh-TW" altLang="en-US" dirty="0"/>
+              <a:t>問題</a:t>
+            </a:r>
+            <a:r>
+              <a:rPr lang="en-US" altLang="zh-TW" dirty="0"/>
+              <a:t>:</a:t>
+            </a:r>
+          </a:p>
+          <a:p>
+            <a:pPr lvl="1"/>
+            <a:r>
+              <a:rPr lang="zh-TW" altLang="en-US" dirty="0"/>
+              <a:t>圖表不會再同一個網頁頁面顯示。</a:t>
+            </a:r>
+            <a:endParaRPr lang="en-US" altLang="zh-TW" dirty="0"/>
+          </a:p>
+          <a:p>
+            <a:r>
+              <a:rPr lang="zh-TW" altLang="en-US" dirty="0"/>
+              <a:t>預計</a:t>
+            </a:r>
+            <a:r>
+              <a:rPr lang="en-US" altLang="zh-TW" dirty="0"/>
+              <a:t>:</a:t>
+            </a:r>
+          </a:p>
+          <a:p>
+            <a:pPr lvl="1"/>
+            <a:r>
+              <a:rPr lang="zh-TW" altLang="en-US" dirty="0"/>
+              <a:t>登入系統</a:t>
+            </a:r>
+            <a:endParaRPr lang="en-US" altLang="zh-TW" dirty="0"/>
+          </a:p>
+          <a:p>
+            <a:pPr lvl="1"/>
+            <a:r>
+              <a:rPr lang="zh-TW" altLang="en-US" dirty="0"/>
+              <a:t>視圖表改善</a:t>
+            </a:r>
+            <a:r>
+              <a:rPr lang="en-US" altLang="zh-TW" dirty="0"/>
+              <a:t>(</a:t>
+            </a:r>
+            <a:r>
+              <a:rPr lang="en-US" altLang="zh-TW" dirty="0" err="1"/>
+              <a:t>javascript</a:t>
+            </a:r>
+            <a:r>
+              <a:rPr lang="en-US" altLang="zh-TW" dirty="0"/>
+              <a:t>)</a:t>
+            </a:r>
+          </a:p>
+          <a:p>
+            <a:pPr lvl="1"/>
+            <a:r>
+              <a:rPr lang="zh-TW" altLang="en-US" dirty="0"/>
+              <a:t>美化網頁</a:t>
+            </a:r>
+            <a:r>
+              <a:rPr lang="en-US" altLang="zh-TW"/>
+              <a:t>(html)</a:t>
+            </a:r>
+            <a:endParaRPr lang="en-US" altLang="zh-TW" dirty="0"/>
+          </a:p>
+          <a:p>
+            <a:pPr marL="137160" indent="0">
               <a:buNone/>
             </a:pPr>
-            <a:endParaRPr/>
+            <a:endParaRPr lang="zh-TW" altLang="en-US" dirty="0"/>
           </a:p>
         </p:txBody>
       </p:sp>
-      <p:pic>
-        <p:nvPicPr>
-          <p:cNvPr id="216" name="Google Shape;216;g9fa7b3634b_0_0"/>
-          <p:cNvPicPr preferRelativeResize="0"/>
-          <p:nvPr/>
-        </p:nvPicPr>
-        <p:blipFill>
-          <a:blip r:embed="rId3">
-            <a:alphaModFix/>
-          </a:blip>
-          <a:stretch>
-            <a:fillRect/>
-          </a:stretch>
-        </p:blipFill>
-        <p:spPr>
-          <a:xfrm>
-            <a:off x="1233200" y="1853125"/>
-            <a:ext cx="8401051" cy="4312299"/>
-          </a:xfrm>
-          <a:prstGeom prst="rect">
-            <a:avLst/>
-          </a:prstGeom>
-          <a:noFill/>
-          <a:ln>
-            <a:noFill/>
-          </a:ln>
-        </p:spPr>
-      </p:pic>
     </p:spTree>
+    <p:extLst>
+      <p:ext uri="{BB962C8B-B14F-4D97-AF65-F5344CB8AC3E}">
+        <p14:creationId xmlns:p14="http://schemas.microsoft.com/office/powerpoint/2010/main" val="2584667347"/>
+      </p:ext>
+    </p:extLst>
   </p:cSld>
   <p:clrMapOvr>
     <a:masterClrMapping/>

--- a/計劃書、簡報/專題進度報告02_26.pptx
+++ b/計劃書、簡報/專題進度報告02_26.pptx
@@ -5,7 +5,7 @@
     <p:sldMasterId id="2147483648" r:id="rId1"/>
   </p:sldMasterIdLst>
   <p:notesMasterIdLst>
-    <p:notesMasterId r:id="rId8"/>
+    <p:notesMasterId r:id="rId9"/>
   </p:notesMasterIdLst>
   <p:sldIdLst>
     <p:sldId id="256" r:id="rId2"/>
@@ -14,24 +14,25 @@
     <p:sldId id="259" r:id="rId5"/>
     <p:sldId id="260" r:id="rId6"/>
     <p:sldId id="261" r:id="rId7"/>
+    <p:sldId id="262" r:id="rId8"/>
   </p:sldIdLst>
   <p:sldSz cx="12192000" cy="6858000"/>
   <p:notesSz cx="6858000" cy="9144000"/>
   <p:embeddedFontLst>
     <p:embeddedFont>
       <p:font typeface="Century Gothic" panose="020B0502020202020204" pitchFamily="34" charset="0"/>
-      <p:regular r:id="rId9"/>
-      <p:bold r:id="rId10"/>
-      <p:italic r:id="rId11"/>
-      <p:boldItalic r:id="rId12"/>
+      <p:regular r:id="rId10"/>
+      <p:bold r:id="rId11"/>
+      <p:italic r:id="rId12"/>
+      <p:boldItalic r:id="rId13"/>
     </p:embeddedFont>
     <p:embeddedFont>
-      <p:font typeface="DFKai-SB" panose="03000509000000000000" pitchFamily="65" charset="-120"/>
-      <p:regular r:id="rId13"/>
+      <p:font typeface="DFKai-SB" panose="03000509000000000000" pitchFamily="49" charset="-120"/>
+      <p:regular r:id="rId14"/>
     </p:embeddedFont>
     <p:embeddedFont>
-      <p:font typeface="DFKai-SB" panose="03000509000000000000" pitchFamily="65" charset="-120"/>
-      <p:regular r:id="rId13"/>
+      <p:font typeface="DFKai-SB" panose="03000509000000000000" pitchFamily="49" charset="-120"/>
+      <p:regular r:id="rId14"/>
     </p:embeddedFont>
   </p:embeddedFontLst>
   <p:defaultTextStyle>
@@ -268,7 +269,7 @@
       <p15:sldGuideLst xmlns:p15="http://schemas.microsoft.com/office/powerpoint/2012/main"/>
     </p:ext>
     <p:ext uri="http://customooxmlschemas.google.com/">
-      <go:slidesCustomData xmlns="" xmlns:mc="http://schemas.openxmlformats.org/markup-compatibility/2006" xmlns:mv="urn:schemas-microsoft-com:mac:vml" xmlns:c="http://schemas.openxmlformats.org/drawingml/2006/chart" xmlns:dgm="http://schemas.openxmlformats.org/drawingml/2006/diagram" xmlns:o="urn:schemas-microsoft-com:office:office" xmlns:v="urn:schemas-microsoft-com:vml" xmlns:pvml="urn:schemas-microsoft-com:office:powerpoint" xmlns:com="http://schemas.openxmlformats.org/drawingml/2006/compatibility" xmlns:p14="http://schemas.microsoft.com/office/powerpoint/2010/main" xmlns:p15="http://schemas.microsoft.com/office/powerpoint/2012/main" xmlns:ahyp="http://schemas.microsoft.com/office/drawing/2018/hyperlinkcolor" xmlns:go="http://customooxmlschemas.google.com/" r:id="rId16" roundtripDataSignature="AMtx7mitnr/XQpiPA4WBOdfoM1KjeVYmYw=="/>
+      <go:slidesCustomData xmlns:go="http://customooxmlschemas.google.com/" xmlns:ahyp="http://schemas.microsoft.com/office/drawing/2018/hyperlinkcolor" xmlns:p15="http://schemas.microsoft.com/office/powerpoint/2012/main" xmlns:p14="http://schemas.microsoft.com/office/powerpoint/2010/main" xmlns:com="http://schemas.openxmlformats.org/drawingml/2006/compatibility" xmlns:pvml="urn:schemas-microsoft-com:office:powerpoint" xmlns:v="urn:schemas-microsoft-com:vml" xmlns:o="urn:schemas-microsoft-com:office:office" xmlns:dgm="http://schemas.openxmlformats.org/drawingml/2006/diagram" xmlns:c="http://schemas.openxmlformats.org/drawingml/2006/chart" xmlns:mv="urn:schemas-microsoft-com:mac:vml" xmlns:mc="http://schemas.openxmlformats.org/markup-compatibility/2006" xmlns="" r:id="rId16" roundtripDataSignature="AMtx7mitnr/XQpiPA4WBOdfoM1KjeVYmYw=="/>
     </p:ext>
   </p:extLst>
 </p:presentation>
@@ -290,7 +291,7 @@
         <p15:threadingInfo xmlns:p15="http://schemas.microsoft.com/office/powerpoint/2012/main" timeZoneBias="0"/>
       </p:ext>
       <p:ext uri="http://customooxmlschemas.google.com/">
-        <go:slidesCustomData xmlns="" xmlns:mc="http://schemas.openxmlformats.org/markup-compatibility/2006" xmlns:mv="urn:schemas-microsoft-com:mac:vml" xmlns:c="http://schemas.openxmlformats.org/drawingml/2006/chart" xmlns:dgm="http://schemas.openxmlformats.org/drawingml/2006/diagram" xmlns:o="urn:schemas-microsoft-com:office:office" xmlns:v="urn:schemas-microsoft-com:vml" xmlns:pvml="urn:schemas-microsoft-com:office:powerpoint" xmlns:com="http://schemas.openxmlformats.org/drawingml/2006/compatibility" xmlns:p14="http://schemas.microsoft.com/office/powerpoint/2010/main" xmlns:p15="http://schemas.microsoft.com/office/powerpoint/2012/main" xmlns:ahyp="http://schemas.microsoft.com/office/drawing/2018/hyperlinkcolor" xmlns:go="http://customooxmlschemas.google.com/" commentPostId="AAAAKXgQ9RQ"/>
+        <go:slidesCustomData xmlns:go="http://customooxmlschemas.google.com/" xmlns:ahyp="http://schemas.microsoft.com/office/drawing/2018/hyperlinkcolor" xmlns:p15="http://schemas.microsoft.com/office/powerpoint/2012/main" xmlns:p14="http://schemas.microsoft.com/office/powerpoint/2010/main" xmlns:com="http://schemas.openxmlformats.org/drawingml/2006/compatibility" xmlns:pvml="urn:schemas-microsoft-com:office:powerpoint" xmlns:v="urn:schemas-microsoft-com:vml" xmlns:o="urn:schemas-microsoft-com:office:office" xmlns:dgm="http://schemas.openxmlformats.org/drawingml/2006/diagram" xmlns:c="http://schemas.openxmlformats.org/drawingml/2006/chart" xmlns:mv="urn:schemas-microsoft-com:mac:vml" xmlns:mc="http://schemas.openxmlformats.org/markup-compatibility/2006" xmlns="" commentPostId="AAAAKXgQ9RQ"/>
       </p:ext>
     </p:extLst>
   </p:cm>
@@ -1263,7 +1264,7 @@
   <p:cSld>
     <p:spTree>
       <p:nvGrpSpPr>
-        <p:cNvPr id="1" name="Shape 210"/>
+        <p:cNvPr id="1" name="Shape 199"/>
         <p:cNvGrpSpPr/>
         <p:nvPr/>
       </p:nvGrpSpPr>
@@ -1277,7 +1278,172 @@
       </p:grpSpPr>
       <p:sp>
         <p:nvSpPr>
-          <p:cNvPr id="211" name="Google Shape;211;g9fa7b3634b_0_0:notes"/>
+          <p:cNvPr id="200" name="Google Shape;200;g9fa7b3634b_0_0:notes"/>
+          <p:cNvSpPr>
+            <a:spLocks noGrp="1" noRot="1" noChangeAspect="1"/>
+          </p:cNvSpPr>
+          <p:nvPr>
+            <p:ph type="sldImg" idx="2"/>
+          </p:nvPr>
+        </p:nvSpPr>
+        <p:spPr>
+          <a:xfrm>
+            <a:off x="381000" y="685800"/>
+            <a:ext cx="6096000" cy="3429000"/>
+          </a:xfrm>
+          <a:custGeom>
+            <a:avLst/>
+            <a:gdLst/>
+            <a:ahLst/>
+            <a:cxnLst/>
+            <a:rect l="l" t="t" r="r" b="b"/>
+            <a:pathLst>
+              <a:path w="120000" h="120000" extrusionOk="0">
+                <a:moveTo>
+                  <a:pt x="0" y="0"/>
+                </a:moveTo>
+                <a:lnTo>
+                  <a:pt x="120000" y="0"/>
+                </a:lnTo>
+                <a:lnTo>
+                  <a:pt x="120000" y="120000"/>
+                </a:lnTo>
+                <a:lnTo>
+                  <a:pt x="0" y="120000"/>
+                </a:lnTo>
+                <a:close/>
+              </a:path>
+            </a:pathLst>
+          </a:custGeom>
+          <a:noFill/>
+          <a:ln w="9525" cap="flat" cmpd="sng">
+            <a:solidFill>
+              <a:srgbClr val="000000"/>
+            </a:solidFill>
+            <a:prstDash val="solid"/>
+            <a:round/>
+            <a:headEnd type="none" w="sm" len="sm"/>
+            <a:tailEnd type="none" w="sm" len="sm"/>
+          </a:ln>
+        </p:spPr>
+      </p:sp>
+      <p:sp>
+        <p:nvSpPr>
+          <p:cNvPr id="201" name="Google Shape;201;g9fa7b3634b_0_0:notes"/>
+          <p:cNvSpPr txBox="1">
+            <a:spLocks noGrp="1"/>
+          </p:cNvSpPr>
+          <p:nvPr>
+            <p:ph type="body" idx="1"/>
+          </p:nvPr>
+        </p:nvSpPr>
+        <p:spPr>
+          <a:xfrm>
+            <a:off x="685800" y="4343400"/>
+            <a:ext cx="5486400" cy="4114800"/>
+          </a:xfrm>
+          <a:prstGeom prst="rect">
+            <a:avLst/>
+          </a:prstGeom>
+          <a:noFill/>
+          <a:ln>
+            <a:noFill/>
+          </a:ln>
+        </p:spPr>
+        <p:txBody>
+          <a:bodyPr spcFirstLastPara="1" wrap="square" lIns="91425" tIns="91425" rIns="91425" bIns="91425" anchor="t" anchorCtr="0">
+            <a:noAutofit/>
+          </a:bodyPr>
+          <a:lstStyle/>
+          <a:p>
+            <a:pPr marL="0" lvl="0" indent="0" algn="l" rtl="0">
+              <a:lnSpc>
+                <a:spcPct val="100000"/>
+              </a:lnSpc>
+              <a:spcBef>
+                <a:spcPts val="0"/>
+              </a:spcBef>
+              <a:spcAft>
+                <a:spcPts val="0"/>
+              </a:spcAft>
+              <a:buSzPts val="1100"/>
+              <a:buNone/>
+            </a:pPr>
+            <a:endParaRPr/>
+          </a:p>
+        </p:txBody>
+      </p:sp>
+    </p:spTree>
+    <p:extLst>
+      <p:ext uri="{BB962C8B-B14F-4D97-AF65-F5344CB8AC3E}">
+        <p14:creationId xmlns:p14="http://schemas.microsoft.com/office/powerpoint/2010/main" val="2561635500"/>
+      </p:ext>
+    </p:extLst>
+  </p:cSld>
+  <p:clrMapOvr>
+    <a:masterClrMapping/>
+  </p:clrMapOvr>
+</p:notes>
+</file>
+
+<file path=ppt/notesSlides/notesSlide7.xml><?xml version="1.0" encoding="utf-8"?>
+<p:notes xmlns:a="http://schemas.openxmlformats.org/drawingml/2006/main" xmlns:r="http://schemas.openxmlformats.org/officeDocument/2006/relationships" xmlns:p="http://schemas.openxmlformats.org/presentationml/2006/main" showMasterSp="0" showMasterPhAnim="0">
+  <p:cSld>
+    <p:spTree>
+      <p:nvGrpSpPr>
+        <p:cNvPr id="1" name="Shape 207"/>
+        <p:cNvGrpSpPr/>
+        <p:nvPr/>
+      </p:nvGrpSpPr>
+      <p:grpSpPr>
+        <a:xfrm>
+          <a:off x="0" y="0"/>
+          <a:ext cx="0" cy="0"/>
+          <a:chOff x="0" y="0"/>
+          <a:chExt cx="0" cy="0"/>
+        </a:xfrm>
+      </p:grpSpPr>
+      <p:sp>
+        <p:nvSpPr>
+          <p:cNvPr id="208" name="Google Shape;208;p24:notes"/>
+          <p:cNvSpPr txBox="1">
+            <a:spLocks noGrp="1"/>
+          </p:cNvSpPr>
+          <p:nvPr>
+            <p:ph type="body" idx="1"/>
+          </p:nvPr>
+        </p:nvSpPr>
+        <p:spPr>
+          <a:xfrm>
+            <a:off x="685800" y="4343400"/>
+            <a:ext cx="5486400" cy="4114800"/>
+          </a:xfrm>
+          <a:prstGeom prst="rect">
+            <a:avLst/>
+          </a:prstGeom>
+        </p:spPr>
+        <p:txBody>
+          <a:bodyPr spcFirstLastPara="1" wrap="square" lIns="91425" tIns="91425" rIns="91425" bIns="91425" anchor="t" anchorCtr="0">
+            <a:noAutofit/>
+          </a:bodyPr>
+          <a:lstStyle/>
+          <a:p>
+            <a:pPr marL="0" lvl="0" indent="0" algn="l" rtl="0">
+              <a:spcBef>
+                <a:spcPts val="0"/>
+              </a:spcBef>
+              <a:spcAft>
+                <a:spcPts val="0"/>
+              </a:spcAft>
+              <a:buNone/>
+            </a:pPr>
+            <a:endParaRPr/>
+          </a:p>
+        </p:txBody>
+      </p:sp>
+      <p:sp>
+        <p:nvSpPr>
+          <p:cNvPr id="209" name="Google Shape;209;p24:notes"/>
           <p:cNvSpPr>
             <a:spLocks noGrp="1" noRot="1" noChangeAspect="1"/>
           </p:cNvSpPr>
@@ -1316,45 +1482,12 @@
           </a:custGeom>
         </p:spPr>
       </p:sp>
-      <p:sp>
-        <p:nvSpPr>
-          <p:cNvPr id="212" name="Google Shape;212;g9fa7b3634b_0_0:notes"/>
-          <p:cNvSpPr txBox="1">
-            <a:spLocks noGrp="1"/>
-          </p:cNvSpPr>
-          <p:nvPr>
-            <p:ph type="body" idx="1"/>
-          </p:nvPr>
-        </p:nvSpPr>
-        <p:spPr>
-          <a:xfrm>
-            <a:off x="685800" y="4343400"/>
-            <a:ext cx="5486400" cy="4114800"/>
-          </a:xfrm>
-          <a:prstGeom prst="rect">
-            <a:avLst/>
-          </a:prstGeom>
-        </p:spPr>
-        <p:txBody>
-          <a:bodyPr spcFirstLastPara="1" wrap="square" lIns="91425" tIns="91425" rIns="91425" bIns="91425" anchor="t" anchorCtr="0">
-            <a:noAutofit/>
-          </a:bodyPr>
-          <a:lstStyle/>
-          <a:p>
-            <a:pPr marL="0" lvl="0" indent="0" algn="l" rtl="0">
-              <a:spcBef>
-                <a:spcPts val="0"/>
-              </a:spcBef>
-              <a:spcAft>
-                <a:spcPts val="0"/>
-              </a:spcAft>
-              <a:buNone/>
-            </a:pPr>
-            <a:endParaRPr/>
-          </a:p>
-        </p:txBody>
-      </p:sp>
     </p:spTree>
+    <p:extLst>
+      <p:ext uri="{BB962C8B-B14F-4D97-AF65-F5344CB8AC3E}">
+        <p14:creationId xmlns:p14="http://schemas.microsoft.com/office/powerpoint/2010/main" val="3984725376"/>
+      </p:ext>
+    </p:extLst>
   </p:cSld>
   <p:clrMapOvr>
     <a:masterClrMapping/>
@@ -20650,6 +20783,40 @@
           </a:ln>
         </p:spPr>
       </p:pic>
+      <p:sp>
+        <p:nvSpPr>
+          <p:cNvPr id="2" name="Rectangle 1">
+            <a:extLst>
+              <a:ext uri="{FF2B5EF4-FFF2-40B4-BE49-F238E27FC236}">
+                <a16:creationId xmlns:a16="http://schemas.microsoft.com/office/drawing/2014/main" id="{03D7E51D-BD22-B54C-B73B-EA7CA3820005}"/>
+              </a:ext>
+            </a:extLst>
+          </p:cNvPr>
+          <p:cNvSpPr/>
+          <p:nvPr/>
+        </p:nvSpPr>
+        <p:spPr>
+          <a:xfrm>
+            <a:off x="5978820" y="3275112"/>
+            <a:ext cx="234360" cy="307777"/>
+          </a:xfrm>
+          <a:prstGeom prst="rect">
+            <a:avLst/>
+          </a:prstGeom>
+        </p:spPr>
+        <p:txBody>
+          <a:bodyPr wrap="none">
+            <a:spAutoFit/>
+          </a:bodyPr>
+          <a:lstStyle/>
+          <a:p>
+            <a:r>
+              <a:rPr lang="en-TW" dirty="0"/>
+              <a:t> </a:t>
+            </a:r>
+          </a:p>
+        </p:txBody>
+      </p:sp>
     </p:spTree>
   </p:cSld>
   <p:clrMapOvr>
@@ -20663,7 +20830,7 @@
   <p:cSld>
     <p:spTree>
       <p:nvGrpSpPr>
-        <p:cNvPr id="1" name="Shape 213"/>
+        <p:cNvPr id="1" name="Shape 202"/>
         <p:cNvGrpSpPr/>
         <p:nvPr/>
       </p:nvGrpSpPr>
@@ -20677,7 +20844,7 @@
       </p:grpSpPr>
       <p:sp>
         <p:nvSpPr>
-          <p:cNvPr id="214" name="Google Shape;214;g9fa7b3634b_0_0"/>
+          <p:cNvPr id="203" name="Google Shape;203;g9fa7b3634b_0_0"/>
           <p:cNvSpPr txBox="1">
             <a:spLocks noGrp="1"/>
           </p:cNvSpPr>
@@ -20693,6 +20860,10 @@
           <a:prstGeom prst="rect">
             <a:avLst/>
           </a:prstGeom>
+          <a:noFill/>
+          <a:ln>
+            <a:noFill/>
+          </a:ln>
         </p:spPr>
         <p:txBody>
           <a:bodyPr spcFirstLastPara="1" wrap="square" lIns="91425" tIns="45700" rIns="91425" bIns="45700" anchor="t" anchorCtr="0">
@@ -20701,12 +20872,180 @@
           <a:lstStyle/>
           <a:p>
             <a:pPr marL="0" lvl="0" indent="0" algn="l" rtl="0">
-              <a:spcBef>
-                <a:spcPts val="0"/>
-              </a:spcBef>
-              <a:spcAft>
-                <a:spcPts val="0"/>
-              </a:spcAft>
+              <a:lnSpc>
+                <a:spcPct val="100000"/>
+              </a:lnSpc>
+              <a:spcBef>
+                <a:spcPts val="0"/>
+              </a:spcBef>
+              <a:spcAft>
+                <a:spcPts val="0"/>
+              </a:spcAft>
+              <a:buSzPts val="1800"/>
+              <a:buNone/>
+            </a:pPr>
+            <a:r>
+              <a:rPr lang="en-US"/>
+              <a:t>進度報告(Django)</a:t>
+            </a:r>
+            <a:endParaRPr/>
+          </a:p>
+        </p:txBody>
+      </p:sp>
+      <p:pic>
+        <p:nvPicPr>
+          <p:cNvPr id="204" name="Google Shape;204;g9fa7b3634b_0_0"/>
+          <p:cNvPicPr preferRelativeResize="0"/>
+          <p:nvPr/>
+        </p:nvPicPr>
+        <p:blipFill rotWithShape="1">
+          <a:blip r:embed="rId3">
+            <a:alphaModFix/>
+          </a:blip>
+          <a:srcRect/>
+          <a:stretch/>
+        </p:blipFill>
+        <p:spPr>
+          <a:xfrm>
+            <a:off x="743712" y="1617365"/>
+            <a:ext cx="3277280" cy="4682869"/>
+          </a:xfrm>
+          <a:prstGeom prst="rect">
+            <a:avLst/>
+          </a:prstGeom>
+          <a:noFill/>
+          <a:ln>
+            <a:noFill/>
+          </a:ln>
+        </p:spPr>
+      </p:pic>
+      <p:pic>
+        <p:nvPicPr>
+          <p:cNvPr id="205" name="Google Shape;205;g9fa7b3634b_0_0"/>
+          <p:cNvPicPr preferRelativeResize="0"/>
+          <p:nvPr/>
+        </p:nvPicPr>
+        <p:blipFill rotWithShape="1">
+          <a:blip r:embed="rId4">
+            <a:alphaModFix/>
+          </a:blip>
+          <a:srcRect/>
+          <a:stretch/>
+        </p:blipFill>
+        <p:spPr>
+          <a:xfrm>
+            <a:off x="4118593" y="1642089"/>
+            <a:ext cx="7758462" cy="2698263"/>
+          </a:xfrm>
+          <a:prstGeom prst="rect">
+            <a:avLst/>
+          </a:prstGeom>
+          <a:noFill/>
+          <a:ln>
+            <a:noFill/>
+          </a:ln>
+        </p:spPr>
+      </p:pic>
+      <p:pic>
+        <p:nvPicPr>
+          <p:cNvPr id="206" name="Google Shape;206;g9fa7b3634b_0_0"/>
+          <p:cNvPicPr preferRelativeResize="0"/>
+          <p:nvPr/>
+        </p:nvPicPr>
+        <p:blipFill rotWithShape="1">
+          <a:blip r:embed="rId5">
+            <a:alphaModFix/>
+          </a:blip>
+          <a:srcRect/>
+          <a:stretch/>
+        </p:blipFill>
+        <p:spPr>
+          <a:xfrm>
+            <a:off x="4128951" y="4450726"/>
+            <a:ext cx="7768819" cy="1530370"/>
+          </a:xfrm>
+          <a:prstGeom prst="rect">
+            <a:avLst/>
+          </a:prstGeom>
+          <a:noFill/>
+          <a:ln>
+            <a:noFill/>
+          </a:ln>
+        </p:spPr>
+      </p:pic>
+    </p:spTree>
+    <p:extLst>
+      <p:ext uri="{BB962C8B-B14F-4D97-AF65-F5344CB8AC3E}">
+        <p14:creationId xmlns:p14="http://schemas.microsoft.com/office/powerpoint/2010/main" val="129372150"/>
+      </p:ext>
+    </p:extLst>
+  </p:cSld>
+  <p:clrMapOvr>
+    <a:masterClrMapping/>
+  </p:clrMapOvr>
+</p:sld>
+</file>
+
+<file path=ppt/slides/slide7.xml><?xml version="1.0" encoding="utf-8"?>
+<p:sld xmlns:a="http://schemas.openxmlformats.org/drawingml/2006/main" xmlns:r="http://schemas.openxmlformats.org/officeDocument/2006/relationships" xmlns:p="http://schemas.openxmlformats.org/presentationml/2006/main">
+  <p:cSld>
+    <p:spTree>
+      <p:nvGrpSpPr>
+        <p:cNvPr id="1" name="Shape 210"/>
+        <p:cNvGrpSpPr/>
+        <p:nvPr/>
+      </p:nvGrpSpPr>
+      <p:grpSpPr>
+        <a:xfrm>
+          <a:off x="0" y="0"/>
+          <a:ext cx="0" cy="0"/>
+          <a:chOff x="0" y="0"/>
+          <a:chExt cx="0" cy="0"/>
+        </a:xfrm>
+      </p:grpSpPr>
+      <p:sp>
+        <p:nvSpPr>
+          <p:cNvPr id="211" name="Google Shape;211;p24"/>
+          <p:cNvSpPr txBox="1">
+            <a:spLocks noGrp="1"/>
+          </p:cNvSpPr>
+          <p:nvPr>
+            <p:ph type="title"/>
+          </p:nvPr>
+        </p:nvSpPr>
+        <p:spPr>
+          <a:xfrm>
+            <a:off x="646111" y="452718"/>
+            <a:ext cx="9404723" cy="1400530"/>
+          </a:xfrm>
+          <a:prstGeom prst="rect">
+            <a:avLst/>
+          </a:prstGeom>
+          <a:noFill/>
+          <a:ln>
+            <a:noFill/>
+          </a:ln>
+        </p:spPr>
+        <p:txBody>
+          <a:bodyPr spcFirstLastPara="1" wrap="square" lIns="91425" tIns="45700" rIns="91425" bIns="45700" anchor="t" anchorCtr="0">
+            <a:noAutofit/>
+          </a:bodyPr>
+          <a:lstStyle/>
+          <a:p>
+            <a:pPr marL="0" lvl="0" indent="0" algn="l" rtl="0">
+              <a:lnSpc>
+                <a:spcPct val="100000"/>
+              </a:lnSpc>
+              <a:spcBef>
+                <a:spcPts val="0"/>
+              </a:spcBef>
+              <a:spcAft>
+                <a:spcPts val="0"/>
+              </a:spcAft>
+              <a:buClr>
+                <a:schemeClr val="lt2"/>
+              </a:buClr>
+              <a:buSzPts val="1800"/>
               <a:buNone/>
             </a:pPr>
             <a:r>
@@ -20719,7 +21058,7 @@
       </p:sp>
       <p:sp>
         <p:nvSpPr>
-          <p:cNvPr id="215" name="Google Shape;215;g9fa7b3634b_0_0"/>
+          <p:cNvPr id="212" name="Google Shape;212;p24"/>
           <p:cNvSpPr txBox="1">
             <a:spLocks noGrp="1"/>
           </p:cNvSpPr>
@@ -20729,50 +21068,8 @@
         </p:nvSpPr>
         <p:spPr>
           <a:xfrm>
-            <a:off x="1103312" y="2052918"/>
-            <a:ext cx="8946600" cy="4195500"/>
-          </a:xfrm>
-          <a:prstGeom prst="rect">
-            <a:avLst/>
-          </a:prstGeom>
-        </p:spPr>
-        <p:txBody>
-          <a:bodyPr spcFirstLastPara="1" wrap="square" lIns="91425" tIns="45700" rIns="91425" bIns="45700" anchor="t" anchorCtr="0">
-            <a:noAutofit/>
-          </a:bodyPr>
-          <a:lstStyle/>
-          <a:p>
-            <a:pPr marL="0" lvl="0" indent="0" algn="l" rtl="0">
-              <a:spcBef>
-                <a:spcPts val="1000"/>
-              </a:spcBef>
-              <a:spcAft>
-                <a:spcPts val="0"/>
-              </a:spcAft>
-              <a:buNone/>
-            </a:pPr>
-            <a:endParaRPr/>
-          </a:p>
-        </p:txBody>
-      </p:sp>
-      <p:pic>
-        <p:nvPicPr>
-          <p:cNvPr id="216" name="Google Shape;216;g9fa7b3634b_0_0"/>
-          <p:cNvPicPr preferRelativeResize="0"/>
-          <p:nvPr/>
-        </p:nvPicPr>
-        <p:blipFill>
-          <a:blip r:embed="rId3">
-            <a:alphaModFix/>
-          </a:blip>
-          <a:stretch>
-            <a:fillRect/>
-          </a:stretch>
-        </p:blipFill>
-        <p:spPr>
-          <a:xfrm>
-            <a:off x="1233200" y="1853125"/>
-            <a:ext cx="8401051" cy="4312299"/>
+            <a:off x="1104293" y="1687158"/>
+            <a:ext cx="8946541" cy="4195481"/>
           </a:xfrm>
           <a:prstGeom prst="rect">
             <a:avLst/>
@@ -20782,8 +21079,155 @@
             <a:noFill/>
           </a:ln>
         </p:spPr>
-      </p:pic>
+        <p:txBody>
+          <a:bodyPr spcFirstLastPara="1" wrap="square" lIns="91425" tIns="45700" rIns="91425" bIns="45700" anchor="t" anchorCtr="0">
+            <a:normAutofit/>
+          </a:bodyPr>
+          <a:lstStyle/>
+          <a:p>
+            <a:pPr marL="457200" lvl="0" indent="-320040" algn="l" rtl="0">
+              <a:lnSpc>
+                <a:spcPct val="100000"/>
+              </a:lnSpc>
+              <a:spcBef>
+                <a:spcPts val="1000"/>
+              </a:spcBef>
+              <a:spcAft>
+                <a:spcPts val="0"/>
+              </a:spcAft>
+              <a:buSzPts val="1440"/>
+              <a:buChar char="►"/>
+            </a:pPr>
+            <a:r>
+              <a:rPr lang="en-US"/>
+              <a:t>問題:</a:t>
+            </a:r>
+            <a:endParaRPr/>
+          </a:p>
+          <a:p>
+            <a:pPr marL="914400" lvl="1" indent="-320040" algn="l" rtl="0">
+              <a:lnSpc>
+                <a:spcPct val="100000"/>
+              </a:lnSpc>
+              <a:spcBef>
+                <a:spcPts val="1000"/>
+              </a:spcBef>
+              <a:spcAft>
+                <a:spcPts val="0"/>
+              </a:spcAft>
+              <a:buSzPts val="1440"/>
+              <a:buChar char="►"/>
+            </a:pPr>
+            <a:r>
+              <a:rPr lang="en-US"/>
+              <a:t>圖表不會再同一個網頁頁面顯示。</a:t>
+            </a:r>
+            <a:endParaRPr/>
+          </a:p>
+          <a:p>
+            <a:pPr marL="457200" lvl="0" indent="-320040" algn="l" rtl="0">
+              <a:lnSpc>
+                <a:spcPct val="100000"/>
+              </a:lnSpc>
+              <a:spcBef>
+                <a:spcPts val="1000"/>
+              </a:spcBef>
+              <a:spcAft>
+                <a:spcPts val="0"/>
+              </a:spcAft>
+              <a:buSzPts val="1440"/>
+              <a:buChar char="►"/>
+            </a:pPr>
+            <a:r>
+              <a:rPr lang="en-US"/>
+              <a:t>預計:</a:t>
+            </a:r>
+            <a:endParaRPr/>
+          </a:p>
+          <a:p>
+            <a:pPr marL="914400" lvl="1" indent="-320040" algn="l" rtl="0">
+              <a:lnSpc>
+                <a:spcPct val="100000"/>
+              </a:lnSpc>
+              <a:spcBef>
+                <a:spcPts val="1000"/>
+              </a:spcBef>
+              <a:spcAft>
+                <a:spcPts val="0"/>
+              </a:spcAft>
+              <a:buSzPts val="1440"/>
+              <a:buChar char="►"/>
+            </a:pPr>
+            <a:r>
+              <a:rPr lang="en-US"/>
+              <a:t>登入系統</a:t>
+            </a:r>
+            <a:endParaRPr/>
+          </a:p>
+          <a:p>
+            <a:pPr marL="914400" lvl="1" indent="-320040" algn="l" rtl="0">
+              <a:lnSpc>
+                <a:spcPct val="100000"/>
+              </a:lnSpc>
+              <a:spcBef>
+                <a:spcPts val="1000"/>
+              </a:spcBef>
+              <a:spcAft>
+                <a:spcPts val="0"/>
+              </a:spcAft>
+              <a:buSzPts val="1440"/>
+              <a:buChar char="►"/>
+            </a:pPr>
+            <a:r>
+              <a:rPr lang="en-US"/>
+              <a:t>視圖表改善(javascript)</a:t>
+            </a:r>
+            <a:endParaRPr/>
+          </a:p>
+          <a:p>
+            <a:pPr marL="914400" lvl="1" indent="-320040" algn="l" rtl="0">
+              <a:lnSpc>
+                <a:spcPct val="100000"/>
+              </a:lnSpc>
+              <a:spcBef>
+                <a:spcPts val="1000"/>
+              </a:spcBef>
+              <a:spcAft>
+                <a:spcPts val="0"/>
+              </a:spcAft>
+              <a:buSzPts val="1440"/>
+              <a:buChar char="►"/>
+            </a:pPr>
+            <a:r>
+              <a:rPr lang="en-US"/>
+              <a:t>美化網頁(html)</a:t>
+            </a:r>
+            <a:endParaRPr/>
+          </a:p>
+          <a:p>
+            <a:pPr marL="137160" lvl="0" indent="0" algn="l" rtl="0">
+              <a:lnSpc>
+                <a:spcPct val="100000"/>
+              </a:lnSpc>
+              <a:spcBef>
+                <a:spcPts val="1000"/>
+              </a:spcBef>
+              <a:spcAft>
+                <a:spcPts val="0"/>
+              </a:spcAft>
+              <a:buSzPts val="1440"/>
+              <a:buNone/>
+            </a:pPr>
+            <a:endParaRPr/>
+          </a:p>
+        </p:txBody>
+      </p:sp>
     </p:spTree>
+    <p:extLst>
+      <p:ext uri="{BB962C8B-B14F-4D97-AF65-F5344CB8AC3E}">
+        <p14:creationId xmlns:p14="http://schemas.microsoft.com/office/powerpoint/2010/main" val="2986524948"/>
+      </p:ext>
+    </p:extLst>
   </p:cSld>
   <p:clrMapOvr>
     <a:masterClrMapping/>
